--- a/Project/presentation/slides.pptx
+++ b/Project/presentation/slides.pptx
@@ -111,6 +111,11 @@
       </a:defRPr>
     </a:lvl9pPr>
   </p:defaultTextStyle>
+  <p:extLst>
+    <p:ext uri="{EFAFB233-063F-42B5-8137-9DF3F51BA10A}">
+      <p15:sldGuideLst xmlns:p15="http://schemas.microsoft.com/office/powerpoint/2012/main"/>
+    </p:ext>
+  </p:extLst>
 </p:presentation>
 </file>
 
@@ -11966,58 +11971,73 @@
           <a:lstStyle/>
           <a:p>
             <a:r>
-              <a:rPr lang="en-US"/>
+              <a:rPr lang="en-US" dirty="0"/>
               <a:t>As the research project is an ongoing one, I have not used all my datasets at the current stage.</a:t>
             </a:r>
           </a:p>
           <a:p>
             <a:r>
-              <a:rPr lang="en-US"/>
+              <a:rPr lang="en-US" dirty="0"/>
               <a:t>Further adjustments are required especially for the historically coordinates.</a:t>
             </a:r>
           </a:p>
           <a:p>
             <a:r>
-              <a:rPr lang="en-US"/>
+              <a:rPr lang="en-US" dirty="0"/>
               <a:t>Two things I plan to try for future iterations is how to integrate 3D DEMs using perhaps </a:t>
             </a:r>
             <a:r>
-              <a:rPr lang="en-US" i="1"/>
-              <a:t>OL-Celcium</a:t>
+              <a:rPr lang="en-US" i="1" dirty="0"/>
+              <a:t>OL-</a:t>
             </a:r>
             <a:r>
-              <a:rPr lang="en-US"/>
+              <a:rPr lang="en-US" i="1" dirty="0" err="1"/>
+              <a:t>Celcium</a:t>
+            </a:r>
+            <a:r>
+              <a:rPr lang="en-US" dirty="0"/>
               <a:t> (</a:t>
             </a:r>
             <a:r>
-              <a:rPr lang="en-US">
+              <a:rPr lang="en-US" dirty="0">
                 <a:hlinkClick r:id="rId2"/>
               </a:rPr>
               <a:t>https://openlayers.org/ol-cesium/</a:t>
             </a:r>
             <a:r>
-              <a:rPr lang="en-US"/>
+              <a:rPr lang="en-US" dirty="0"/>
               <a:t>) instead of </a:t>
             </a:r>
             <a:r>
-              <a:rPr lang="en-US" i="1"/>
-              <a:t>ArcGIS StoryMaps</a:t>
+              <a:rPr lang="en-US" i="1" dirty="0"/>
+              <a:t>ArcGIS </a:t>
             </a:r>
             <a:r>
-              <a:rPr lang="en-US"/>
-              <a:t> and then doing correlational analyses using web maps using Turf.js (</a:t>
+              <a:rPr lang="en-US" i="1" dirty="0" err="1"/>
+              <a:t>StoryMaps</a:t>
             </a:r>
             <a:r>
-              <a:rPr lang="en-US">
+              <a:rPr lang="en-US" dirty="0"/>
+              <a:t> and then doing correlational analyses using web maps using </a:t>
+            </a:r>
+            <a:r>
+              <a:rPr lang="en-US" i="1" dirty="0" err="1"/>
+              <a:t>Turf.js</a:t>
+            </a:r>
+            <a:r>
+              <a:rPr lang="en-US" dirty="0"/>
+              <a:t> (</a:t>
+            </a:r>
+            <a:r>
+              <a:rPr lang="en-US" dirty="0">
                 <a:hlinkClick r:id="rId3"/>
               </a:rPr>
               <a:t>https://turfjs.org/</a:t>
             </a:r>
             <a:r>
-              <a:rPr lang="en-US"/>
+              <a:rPr lang="en-US" dirty="0"/>
               <a:t>).</a:t>
             </a:r>
-            <a:endParaRPr lang="en-US" dirty="0"/>
           </a:p>
         </p:txBody>
       </p:sp>
